--- a/static/images/AS8-ORG-DB-plan.pptx
+++ b/static/images/AS8-ORG-DB-plan.pptx
@@ -2452,7 +2452,7 @@
     <p:bg>
       <p:bgPr>
         <a:solidFill>
-          <a:srgbClr val="108D31"/>
+          <a:srgbClr val="159FC5"/>
         </a:solidFill>
         <a:effectLst/>
       </p:bgPr>
@@ -3020,7 +3020,7 @@
         </p:nvSpPr>
         <p:spPr>
           <a:xfrm>
-            <a:off x="445897" y="3797662"/>
+            <a:off x="445897" y="3846647"/>
             <a:ext cx="11909805" cy="1138773"/>
           </a:xfrm>
           <a:prstGeom prst="rect">
@@ -3074,7 +3074,7 @@
         </p:nvSpPr>
         <p:spPr>
           <a:xfrm>
-            <a:off x="-867103" y="2172517"/>
+            <a:off x="-867103" y="2221502"/>
             <a:ext cx="14535806" cy="1723549"/>
           </a:xfrm>
           <a:prstGeom prst="rect">
@@ -3172,7 +3172,7 @@
         </p:nvSpPr>
         <p:spPr>
           <a:xfrm>
-            <a:off x="9971480" y="7860268"/>
+            <a:off x="9644382" y="7231335"/>
             <a:ext cx="2711320" cy="369332"/>
           </a:xfrm>
           <a:prstGeom prst="rect">
@@ -3250,7 +3250,7 @@
           <p:nvPr>
             <p:extLst>
               <p:ext uri="{D42A27DB-BD31-4B8C-83A1-F6EECF244321}">
-                <p14:modId xmlns:p14="http://schemas.microsoft.com/office/powerpoint/2010/main" val="3757003561"/>
+                <p14:modId xmlns:p14="http://schemas.microsoft.com/office/powerpoint/2010/main" val="360403330"/>
               </p:ext>
             </p:extLst>
           </p:nvPr>
@@ -3292,11 +3292,11 @@
                         <a:rPr lang="en-US" sz="2900" spc="300" dirty="0">
                           <a:ln>
                             <a:solidFill>
-                              <a:srgbClr val="108D31"/>
+                              <a:srgbClr val="159FC5"/>
                             </a:solidFill>
                           </a:ln>
                           <a:solidFill>
-                            <a:srgbClr val="108D31"/>
+                            <a:srgbClr val="159FC5"/>
                           </a:solidFill>
                           <a:latin typeface="Aharoni" panose="02010803020104030203" pitchFamily="2" charset="-79"/>
                           <a:cs typeface="Aharoni" panose="02010803020104030203" pitchFamily="2" charset="-79"/>
@@ -6891,7 +6891,7 @@
           <p:nvPr>
             <p:extLst>
               <p:ext uri="{D42A27DB-BD31-4B8C-83A1-F6EECF244321}">
-                <p14:modId xmlns:p14="http://schemas.microsoft.com/office/powerpoint/2010/main" val="2129547824"/>
+                <p14:modId xmlns:p14="http://schemas.microsoft.com/office/powerpoint/2010/main" val="944816795"/>
               </p:ext>
             </p:extLst>
           </p:nvPr>
@@ -6933,11 +6933,11 @@
                         <a:rPr lang="en-US" sz="2900" spc="300" dirty="0">
                           <a:ln>
                             <a:solidFill>
-                              <a:srgbClr val="108D31"/>
+                              <a:srgbClr val="159FC5"/>
                             </a:solidFill>
                           </a:ln>
                           <a:solidFill>
-                            <a:srgbClr val="108D31"/>
+                            <a:srgbClr val="159FC5"/>
                           </a:solidFill>
                         </a:rPr>
                         <a:t>Tag</a:t>
@@ -6945,11 +6945,11 @@
                       <a:endParaRPr lang="en-US" sz="2900" spc="300" dirty="0">
                         <a:ln>
                           <a:solidFill>
-                            <a:srgbClr val="108D31"/>
+                            <a:srgbClr val="159FC5"/>
                           </a:solidFill>
                         </a:ln>
                         <a:solidFill>
-                          <a:srgbClr val="108D31"/>
+                          <a:srgbClr val="159FC5"/>
                         </a:solidFill>
                         <a:latin typeface="Aharoni" panose="02010803020104030203" pitchFamily="2" charset="-79"/>
                         <a:cs typeface="Aharoni" panose="02010803020104030203" pitchFamily="2" charset="-79"/>
@@ -7368,7 +7368,7 @@
           <p:nvPr>
             <p:extLst>
               <p:ext uri="{D42A27DB-BD31-4B8C-83A1-F6EECF244321}">
-                <p14:modId xmlns:p14="http://schemas.microsoft.com/office/powerpoint/2010/main" val="4278416508"/>
+                <p14:modId xmlns:p14="http://schemas.microsoft.com/office/powerpoint/2010/main" val="1275160432"/>
               </p:ext>
             </p:extLst>
           </p:nvPr>
@@ -7410,11 +7410,11 @@
                         <a:rPr lang="en-US" sz="2900" spc="300" dirty="0">
                           <a:ln>
                             <a:solidFill>
-                              <a:srgbClr val="108D31"/>
+                              <a:srgbClr val="159FC5"/>
                             </a:solidFill>
                           </a:ln>
                           <a:solidFill>
-                            <a:srgbClr val="108D31"/>
+                            <a:srgbClr val="159FC5"/>
                           </a:solidFill>
                           <a:latin typeface="Aharoni" panose="02010803020104030203" pitchFamily="2" charset="-79"/>
                           <a:cs typeface="Aharoni" panose="02010803020104030203" pitchFamily="2" charset="-79"/>
@@ -8261,7 +8261,7 @@
           <p:nvPr>
             <p:extLst>
               <p:ext uri="{D42A27DB-BD31-4B8C-83A1-F6EECF244321}">
-                <p14:modId xmlns:p14="http://schemas.microsoft.com/office/powerpoint/2010/main" val="1012270292"/>
+                <p14:modId xmlns:p14="http://schemas.microsoft.com/office/powerpoint/2010/main" val="3615280453"/>
               </p:ext>
             </p:extLst>
           </p:nvPr>
@@ -8303,11 +8303,11 @@
                         <a:rPr lang="en-US" sz="2900" spc="300" dirty="0">
                           <a:ln>
                             <a:solidFill>
-                              <a:srgbClr val="108D31"/>
+                              <a:srgbClr val="159FC5"/>
                             </a:solidFill>
                           </a:ln>
                           <a:solidFill>
-                            <a:srgbClr val="108D31"/>
+                            <a:srgbClr val="159FC5"/>
                           </a:solidFill>
                           <a:latin typeface="Aharoni" panose="02010803020104030203" pitchFamily="2" charset="-79"/>
                           <a:cs typeface="Aharoni" panose="02010803020104030203" pitchFamily="2" charset="-79"/>
@@ -8906,7 +8906,7 @@
           <p:nvPr>
             <p:extLst>
               <p:ext uri="{D42A27DB-BD31-4B8C-83A1-F6EECF244321}">
-                <p14:modId xmlns:p14="http://schemas.microsoft.com/office/powerpoint/2010/main" val="1166883845"/>
+                <p14:modId xmlns:p14="http://schemas.microsoft.com/office/powerpoint/2010/main" val="2187430584"/>
               </p:ext>
             </p:extLst>
           </p:nvPr>
@@ -8948,11 +8948,11 @@
                         <a:rPr lang="en-US" sz="2900" spc="300" dirty="0">
                           <a:ln>
                             <a:solidFill>
-                              <a:srgbClr val="108D31"/>
+                              <a:srgbClr val="159FC5"/>
                             </a:solidFill>
                           </a:ln>
                           <a:solidFill>
-                            <a:srgbClr val="108D31"/>
+                            <a:srgbClr val="159FC5"/>
                           </a:solidFill>
                           <a:latin typeface="Aharoni" panose="02010803020104030203" pitchFamily="2" charset="-79"/>
                           <a:cs typeface="Aharoni" panose="02010803020104030203" pitchFamily="2" charset="-79"/>

--- a/static/images/AS8-ORG-DB-plan.pptx
+++ b/static/images/AS8-ORG-DB-plan.pptx
@@ -273,7 +273,7 @@
           <a:p>
             <a:fld id="{FF9083FA-5894-4C15-B9DF-D0D1D421EB93}" type="datetimeFigureOut">
               <a:rPr lang="en-US" smtClean="0"/>
-              <a:t>5/29/2021</a:t>
+              <a:t>5/30/2021</a:t>
             </a:fld>
             <a:endParaRPr lang="en-US"/>
           </a:p>
@@ -443,7 +443,7 @@
           <a:p>
             <a:fld id="{FF9083FA-5894-4C15-B9DF-D0D1D421EB93}" type="datetimeFigureOut">
               <a:rPr lang="en-US" smtClean="0"/>
-              <a:t>5/29/2021</a:t>
+              <a:t>5/30/2021</a:t>
             </a:fld>
             <a:endParaRPr lang="en-US"/>
           </a:p>
@@ -623,7 +623,7 @@
           <a:p>
             <a:fld id="{FF9083FA-5894-4C15-B9DF-D0D1D421EB93}" type="datetimeFigureOut">
               <a:rPr lang="en-US" smtClean="0"/>
-              <a:t>5/29/2021</a:t>
+              <a:t>5/30/2021</a:t>
             </a:fld>
             <a:endParaRPr lang="en-US"/>
           </a:p>
@@ -793,7 +793,7 @@
           <a:p>
             <a:fld id="{FF9083FA-5894-4C15-B9DF-D0D1D421EB93}" type="datetimeFigureOut">
               <a:rPr lang="en-US" smtClean="0"/>
-              <a:t>5/29/2021</a:t>
+              <a:t>5/30/2021</a:t>
             </a:fld>
             <a:endParaRPr lang="en-US"/>
           </a:p>
@@ -1039,7 +1039,7 @@
           <a:p>
             <a:fld id="{FF9083FA-5894-4C15-B9DF-D0D1D421EB93}" type="datetimeFigureOut">
               <a:rPr lang="en-US" smtClean="0"/>
-              <a:t>5/29/2021</a:t>
+              <a:t>5/30/2021</a:t>
             </a:fld>
             <a:endParaRPr lang="en-US"/>
           </a:p>
@@ -1271,7 +1271,7 @@
           <a:p>
             <a:fld id="{FF9083FA-5894-4C15-B9DF-D0D1D421EB93}" type="datetimeFigureOut">
               <a:rPr lang="en-US" smtClean="0"/>
-              <a:t>5/29/2021</a:t>
+              <a:t>5/30/2021</a:t>
             </a:fld>
             <a:endParaRPr lang="en-US"/>
           </a:p>
@@ -1638,7 +1638,7 @@
           <a:p>
             <a:fld id="{FF9083FA-5894-4C15-B9DF-D0D1D421EB93}" type="datetimeFigureOut">
               <a:rPr lang="en-US" smtClean="0"/>
-              <a:t>5/29/2021</a:t>
+              <a:t>5/30/2021</a:t>
             </a:fld>
             <a:endParaRPr lang="en-US"/>
           </a:p>
@@ -1756,7 +1756,7 @@
           <a:p>
             <a:fld id="{FF9083FA-5894-4C15-B9DF-D0D1D421EB93}" type="datetimeFigureOut">
               <a:rPr lang="en-US" smtClean="0"/>
-              <a:t>5/29/2021</a:t>
+              <a:t>5/30/2021</a:t>
             </a:fld>
             <a:endParaRPr lang="en-US"/>
           </a:p>
@@ -1851,7 +1851,7 @@
           <a:p>
             <a:fld id="{FF9083FA-5894-4C15-B9DF-D0D1D421EB93}" type="datetimeFigureOut">
               <a:rPr lang="en-US" smtClean="0"/>
-              <a:t>5/29/2021</a:t>
+              <a:t>5/30/2021</a:t>
             </a:fld>
             <a:endParaRPr lang="en-US"/>
           </a:p>
@@ -2128,7 +2128,7 @@
           <a:p>
             <a:fld id="{FF9083FA-5894-4C15-B9DF-D0D1D421EB93}" type="datetimeFigureOut">
               <a:rPr lang="en-US" smtClean="0"/>
-              <a:t>5/29/2021</a:t>
+              <a:t>5/30/2021</a:t>
             </a:fld>
             <a:endParaRPr lang="en-US"/>
           </a:p>
@@ -2385,7 +2385,7 @@
           <a:p>
             <a:fld id="{FF9083FA-5894-4C15-B9DF-D0D1D421EB93}" type="datetimeFigureOut">
               <a:rPr lang="en-US" smtClean="0"/>
-              <a:t>5/29/2021</a:t>
+              <a:t>5/30/2021</a:t>
             </a:fld>
             <a:endParaRPr lang="en-US"/>
           </a:p>
@@ -2601,7 +2601,7 @@
           <a:p>
             <a:fld id="{FF9083FA-5894-4C15-B9DF-D0D1D421EB93}" type="datetimeFigureOut">
               <a:rPr lang="en-US" smtClean="0"/>
-              <a:t>5/29/2021</a:t>
+              <a:t>5/30/2021</a:t>
             </a:fld>
             <a:endParaRPr lang="en-US"/>
           </a:p>
@@ -5143,7 +5143,7 @@
         </p:nvSpPr>
         <p:spPr>
           <a:xfrm>
-            <a:off x="3101248" y="4297944"/>
+            <a:off x="3042612" y="4799107"/>
             <a:ext cx="7000166" cy="523220"/>
           </a:xfrm>
           <a:prstGeom prst="rect">
@@ -5332,7 +5332,7 @@
         </p:nvSpPr>
         <p:spPr>
           <a:xfrm>
-            <a:off x="1008999" y="3591580"/>
+            <a:off x="1008999" y="3430493"/>
             <a:ext cx="11067392" cy="523220"/>
           </a:xfrm>
           <a:prstGeom prst="rect">
@@ -5517,7 +5517,7 @@
         </p:nvSpPr>
         <p:spPr>
           <a:xfrm>
-            <a:off x="3089908" y="4994794"/>
+            <a:off x="3031272" y="5495957"/>
             <a:ext cx="7000166" cy="523220"/>
           </a:xfrm>
           <a:prstGeom prst="rect">
@@ -5590,7 +5590,7 @@
         </p:nvSpPr>
         <p:spPr>
           <a:xfrm>
-            <a:off x="3101248" y="5701158"/>
+            <a:off x="3042612" y="6202321"/>
             <a:ext cx="7000166" cy="523220"/>
           </a:xfrm>
           <a:prstGeom prst="rect">
@@ -5663,7 +5663,7 @@
         </p:nvSpPr>
         <p:spPr>
           <a:xfrm>
-            <a:off x="3101248" y="6398008"/>
+            <a:off x="3042612" y="6899171"/>
             <a:ext cx="7000166" cy="523220"/>
           </a:xfrm>
           <a:prstGeom prst="rect">
@@ -5736,7 +5736,7 @@
         </p:nvSpPr>
         <p:spPr>
           <a:xfrm>
-            <a:off x="3101248" y="7094858"/>
+            <a:off x="3042612" y="7596021"/>
             <a:ext cx="7000166" cy="523220"/>
           </a:xfrm>
           <a:prstGeom prst="rect">
@@ -5776,6 +5776,79 @@
                 <a:cs typeface="Aharoni" panose="02010803020104030203" pitchFamily="2" charset="-79"/>
               </a:rPr>
               <a:t>Consumer</a:t>
+            </a:r>
+            <a:endParaRPr lang="en-US" sz="3200" dirty="0">
+              <a:ln w="0">
+                <a:solidFill>
+                  <a:schemeClr val="tx1"/>
+                </a:solidFill>
+              </a:ln>
+              <a:effectLst>
+                <a:outerShdw blurRad="38100" dist="19050" dir="2700000" algn="tl" rotWithShape="0">
+                  <a:schemeClr val="dk1">
+                    <a:alpha val="40000"/>
+                  </a:schemeClr>
+                </a:outerShdw>
+              </a:effectLst>
+              <a:cs typeface="Arial" panose="020B0604020202020204" pitchFamily="34" charset="0"/>
+            </a:endParaRPr>
+          </a:p>
+        </p:txBody>
+      </p:sp>
+      <p:sp>
+        <p:nvSpPr>
+          <p:cNvPr id="15" name="Rectangle 14">
+            <a:extLst>
+              <a:ext uri="{FF2B5EF4-FFF2-40B4-BE49-F238E27FC236}">
+                <a16:creationId xmlns:a16="http://schemas.microsoft.com/office/drawing/2014/main" id="{2686A4A4-F85C-4092-8DEE-A2233D1E8810}"/>
+              </a:ext>
+            </a:extLst>
+          </p:cNvPr>
+          <p:cNvSpPr/>
+          <p:nvPr/>
+        </p:nvSpPr>
+        <p:spPr>
+          <a:xfrm>
+            <a:off x="3042612" y="4107258"/>
+            <a:ext cx="7000166" cy="523220"/>
+          </a:xfrm>
+          <a:prstGeom prst="rect">
+            <a:avLst/>
+          </a:prstGeom>
+          <a:solidFill>
+            <a:schemeClr val="bg1"/>
+          </a:solidFill>
+          <a:ln>
+            <a:solidFill>
+              <a:schemeClr val="bg1"/>
+            </a:solidFill>
+          </a:ln>
+        </p:spPr>
+        <p:txBody>
+          <a:bodyPr wrap="square" lIns="30480" tIns="15240" rIns="30480" bIns="15240">
+            <a:spAutoFit/>
+          </a:bodyPr>
+          <a:lstStyle/>
+          <a:p>
+            <a:pPr algn="ctr"/>
+            <a:r>
+              <a:rPr lang="en-US" sz="3200" dirty="0">
+                <a:ln w="0">
+                  <a:solidFill>
+                    <a:schemeClr val="tx1"/>
+                  </a:solidFill>
+                </a:ln>
+                <a:effectLst>
+                  <a:outerShdw blurRad="38100" dist="19050" dir="2700000" algn="tl" rotWithShape="0">
+                    <a:schemeClr val="dk1">
+                      <a:alpha val="40000"/>
+                    </a:schemeClr>
+                  </a:outerShdw>
+                </a:effectLst>
+                <a:latin typeface="Aharoni" panose="02010803020104030203" pitchFamily="2" charset="-79"/>
+                <a:cs typeface="Aharoni" panose="02010803020104030203" pitchFamily="2" charset="-79"/>
+              </a:rPr>
+              <a:t>UserAdditionalInfo</a:t>
             </a:r>
             <a:endParaRPr lang="en-US" sz="3200" dirty="0">
               <a:ln w="0">
@@ -5894,9 +5967,9 @@
         <p:grpSpPr>
           <a:xfrm>
             <a:off x="1483968" y="2141483"/>
-            <a:ext cx="10154548" cy="4556232"/>
+            <a:ext cx="10106964" cy="5683205"/>
             <a:chOff x="1483968" y="2141483"/>
-            <a:chExt cx="10154548" cy="4556232"/>
+            <a:chExt cx="10106964" cy="5683205"/>
           </a:xfrm>
         </p:grpSpPr>
         <p:sp>
@@ -6185,7 +6258,7 @@
           </p:nvSpPr>
           <p:spPr>
             <a:xfrm>
-              <a:off x="8796707" y="5721944"/>
+              <a:off x="8749123" y="6848917"/>
               <a:ext cx="2841809" cy="975771"/>
             </a:xfrm>
             <a:prstGeom prst="rect">
@@ -6623,8 +6696,8 @@
           </p:nvSpPr>
           <p:spPr>
             <a:xfrm>
-              <a:off x="8726417" y="3810361"/>
-              <a:ext cx="2841809" cy="975771"/>
+              <a:off x="8726417" y="3420534"/>
+              <a:ext cx="2841809" cy="975772"/>
             </a:xfrm>
             <a:prstGeom prst="rect">
               <a:avLst/>
@@ -6719,6 +6792,115 @@
           </p:style>
         </p:cxnSp>
       </p:grpSp>
+      <p:sp>
+        <p:nvSpPr>
+          <p:cNvPr id="19" name="Rectangle 18">
+            <a:extLst>
+              <a:ext uri="{FF2B5EF4-FFF2-40B4-BE49-F238E27FC236}">
+                <a16:creationId xmlns:a16="http://schemas.microsoft.com/office/drawing/2014/main" id="{5337E558-D6DC-4B4C-95D1-A537E7BAB809}"/>
+              </a:ext>
+            </a:extLst>
+          </p:cNvPr>
+          <p:cNvSpPr/>
+          <p:nvPr/>
+        </p:nvSpPr>
+        <p:spPr>
+          <a:xfrm>
+            <a:off x="8404584" y="4618055"/>
+            <a:ext cx="3469560" cy="975772"/>
+          </a:xfrm>
+          <a:prstGeom prst="rect">
+            <a:avLst/>
+          </a:prstGeom>
+          <a:solidFill>
+            <a:schemeClr val="bg1"/>
+          </a:solidFill>
+          <a:ln>
+            <a:solidFill>
+              <a:schemeClr val="bg1"/>
+            </a:solidFill>
+          </a:ln>
+        </p:spPr>
+        <p:style>
+          <a:lnRef idx="2">
+            <a:schemeClr val="accent1">
+              <a:shade val="50000"/>
+            </a:schemeClr>
+          </a:lnRef>
+          <a:fillRef idx="1">
+            <a:schemeClr val="accent1"/>
+          </a:fillRef>
+          <a:effectRef idx="0">
+            <a:schemeClr val="accent1"/>
+          </a:effectRef>
+          <a:fontRef idx="minor">
+            <a:schemeClr val="lt1"/>
+          </a:fontRef>
+        </p:style>
+        <p:txBody>
+          <a:bodyPr rtlCol="0" anchor="ctr"/>
+          <a:lstStyle/>
+          <a:p>
+            <a:pPr algn="ctr"/>
+            <a:r>
+              <a:rPr lang="en-US" sz="2800" dirty="0">
+                <a:ln>
+                  <a:solidFill>
+                    <a:schemeClr val="tx1"/>
+                  </a:solidFill>
+                </a:ln>
+                <a:solidFill>
+                  <a:schemeClr val="tx1"/>
+                </a:solidFill>
+                <a:latin typeface="Aharoni" panose="02010803020104030203" pitchFamily="2" charset="-79"/>
+                <a:cs typeface="Aharoni" panose="02010803020104030203" pitchFamily="2" charset="-79"/>
+              </a:rPr>
+              <a:t>UserAdditionalInfo</a:t>
+            </a:r>
+          </a:p>
+        </p:txBody>
+      </p:sp>
+      <p:cxnSp>
+        <p:nvCxnSpPr>
+          <p:cNvPr id="20" name="Straight Connector 19">
+            <a:extLst>
+              <a:ext uri="{FF2B5EF4-FFF2-40B4-BE49-F238E27FC236}">
+                <a16:creationId xmlns:a16="http://schemas.microsoft.com/office/drawing/2014/main" id="{4DCA33D1-9FBF-4D2A-BBBB-8F9213815492}"/>
+              </a:ext>
+            </a:extLst>
+          </p:cNvPr>
+          <p:cNvCxnSpPr/>
+          <p:nvPr/>
+        </p:nvCxnSpPr>
+        <p:spPr>
+          <a:xfrm flipH="1">
+            <a:off x="10139364" y="4290967"/>
+            <a:ext cx="1" cy="693107"/>
+          </a:xfrm>
+          <a:prstGeom prst="line">
+            <a:avLst/>
+          </a:prstGeom>
+          <a:ln w="57150">
+            <a:solidFill>
+              <a:schemeClr val="bg1"/>
+            </a:solidFill>
+          </a:ln>
+        </p:spPr>
+        <p:style>
+          <a:lnRef idx="1">
+            <a:schemeClr val="accent1"/>
+          </a:lnRef>
+          <a:fillRef idx="0">
+            <a:schemeClr val="accent1"/>
+          </a:fillRef>
+          <a:effectRef idx="0">
+            <a:schemeClr val="accent1"/>
+          </a:effectRef>
+          <a:fontRef idx="minor">
+            <a:schemeClr val="tx1"/>
+          </a:fontRef>
+        </p:style>
+      </p:cxnSp>
     </p:spTree>
     <p:extLst>
       <p:ext uri="{BB962C8B-B14F-4D97-AF65-F5344CB8AC3E}">
